--- a/Tableau/Szenario_2_Auswertung.pptx
+++ b/Tableau/Szenario_2_Auswertung.pptx
@@ -3338,7 +3338,7 @@
           <p:cNvPr id="0" name="slide1">
             <a:extLst>
               <a:ext uri="{FF2B5EF4-FFF2-40B4-BE49-F238E27FC236}">
-                <a16:creationId xmlns:a16="http://schemas.microsoft.com/office/drawing/2014/main" id="{9F165811-BB92-4D3A-8C17-B0045BDEA754}"/>
+                <a16:creationId xmlns:a16="http://schemas.microsoft.com/office/drawing/2014/main" id="{B29D25D0-8F42-43F1-B490-8A80D0448531}"/>
               </a:ext>
             </a:extLst>
           </p:cNvPr>
@@ -3366,7 +3366,7 @@
           <p:cNvPr id="1" name="slide1">
             <a:extLst>
               <a:ext uri="{FF2B5EF4-FFF2-40B4-BE49-F238E27FC236}">
-                <a16:creationId xmlns:a16="http://schemas.microsoft.com/office/drawing/2014/main" id="{4F7ED3CB-A730-4FFE-8843-30A9A2C61CBB}"/>
+                <a16:creationId xmlns:a16="http://schemas.microsoft.com/office/drawing/2014/main" id="{CBC9A0D4-641F-4C67-B0F3-73242534E266}"/>
               </a:ext>
             </a:extLst>
           </p:cNvPr>
@@ -3384,7 +3384,7 @@
           <a:p>
             <a:r>
               <a:rPr/>
-              <a:t>File created on: 06.05.2022 13:00:27</a:t>
+              <a:t>Datei erstellt am: 05.06.2022 17:22:36</a:t>
             </a:r>
           </a:p>
         </p:txBody>
@@ -3424,7 +3424,7 @@
           <p:cNvPr descr="Story 19" id="10" name="slide10">
             <a:extLst>
               <a:ext uri="{FF2B5EF4-FFF2-40B4-BE49-F238E27FC236}">
-                <a16:creationId xmlns:a16="http://schemas.microsoft.com/office/drawing/2014/main" id="{D4688B1D-A269-4DA4-9E56-654D39559D7A}"/>
+                <a16:creationId xmlns:a16="http://schemas.microsoft.com/office/drawing/2014/main" id="{3BA26650-BE0E-449E-A458-DA36432E400E}"/>
               </a:ext>
             </a:extLst>
           </p:cNvPr>
@@ -3490,7 +3490,7 @@
           <p:cNvPr descr="Story 110" id="11" name="slide11">
             <a:extLst>
               <a:ext uri="{FF2B5EF4-FFF2-40B4-BE49-F238E27FC236}">
-                <a16:creationId xmlns:a16="http://schemas.microsoft.com/office/drawing/2014/main" id="{099A3DA2-0AEB-4158-B20C-939B6A075B9D}"/>
+                <a16:creationId xmlns:a16="http://schemas.microsoft.com/office/drawing/2014/main" id="{D48859D4-4833-43CA-88ED-E0F00220FAF5}"/>
               </a:ext>
             </a:extLst>
           </p:cNvPr>
@@ -3556,7 +3556,7 @@
           <p:cNvPr descr="Story 111" id="12" name="slide12">
             <a:extLst>
               <a:ext uri="{FF2B5EF4-FFF2-40B4-BE49-F238E27FC236}">
-                <a16:creationId xmlns:a16="http://schemas.microsoft.com/office/drawing/2014/main" id="{A2DA0629-1F10-4CDB-B563-6B991F317EAF}"/>
+                <a16:creationId xmlns:a16="http://schemas.microsoft.com/office/drawing/2014/main" id="{6F2EA411-1D8E-478E-A078-996C17121F08}"/>
               </a:ext>
             </a:extLst>
           </p:cNvPr>
@@ -3622,7 +3622,7 @@
           <p:cNvPr descr="Story 112" id="13" name="slide13">
             <a:extLst>
               <a:ext uri="{FF2B5EF4-FFF2-40B4-BE49-F238E27FC236}">
-                <a16:creationId xmlns:a16="http://schemas.microsoft.com/office/drawing/2014/main" id="{E02AF629-F8EF-4AA3-BA34-15C6AA0BA707}"/>
+                <a16:creationId xmlns:a16="http://schemas.microsoft.com/office/drawing/2014/main" id="{B4422268-F30E-48F4-8941-2A57D93AD1FA}"/>
               </a:ext>
             </a:extLst>
           </p:cNvPr>
@@ -3688,7 +3688,7 @@
           <p:cNvPr descr="Story 11" id="2" name="slide2">
             <a:extLst>
               <a:ext uri="{FF2B5EF4-FFF2-40B4-BE49-F238E27FC236}">
-                <a16:creationId xmlns:a16="http://schemas.microsoft.com/office/drawing/2014/main" id="{E52D7E76-3B16-417B-AC1E-0741978F9C26}"/>
+                <a16:creationId xmlns:a16="http://schemas.microsoft.com/office/drawing/2014/main" id="{59F1F56A-614E-44B0-B866-639C620CBABC}"/>
               </a:ext>
             </a:extLst>
           </p:cNvPr>
@@ -3754,7 +3754,7 @@
           <p:cNvPr descr="Story 12" id="3" name="slide3">
             <a:extLst>
               <a:ext uri="{FF2B5EF4-FFF2-40B4-BE49-F238E27FC236}">
-                <a16:creationId xmlns:a16="http://schemas.microsoft.com/office/drawing/2014/main" id="{38D9495D-E0C8-465C-BA43-92E1CEC25F6E}"/>
+                <a16:creationId xmlns:a16="http://schemas.microsoft.com/office/drawing/2014/main" id="{4ACFB00C-FF76-4D07-8710-413C26612950}"/>
               </a:ext>
             </a:extLst>
           </p:cNvPr>
@@ -3820,7 +3820,7 @@
           <p:cNvPr descr="Story 13" id="4" name="slide4">
             <a:extLst>
               <a:ext uri="{FF2B5EF4-FFF2-40B4-BE49-F238E27FC236}">
-                <a16:creationId xmlns:a16="http://schemas.microsoft.com/office/drawing/2014/main" id="{F4F30C78-56FF-4A4A-84FC-E44D549A1E57}"/>
+                <a16:creationId xmlns:a16="http://schemas.microsoft.com/office/drawing/2014/main" id="{FC52BDD9-4EBE-44C0-A0FA-F7E9A275D614}"/>
               </a:ext>
             </a:extLst>
           </p:cNvPr>
@@ -3886,7 +3886,7 @@
           <p:cNvPr descr="Story 14" id="5" name="slide5">
             <a:extLst>
               <a:ext uri="{FF2B5EF4-FFF2-40B4-BE49-F238E27FC236}">
-                <a16:creationId xmlns:a16="http://schemas.microsoft.com/office/drawing/2014/main" id="{86CD45EB-0DC2-4B65-AA16-64F9A28AD5D2}"/>
+                <a16:creationId xmlns:a16="http://schemas.microsoft.com/office/drawing/2014/main" id="{952D81C5-2763-42A9-96DD-5355BB7B85B1}"/>
               </a:ext>
             </a:extLst>
           </p:cNvPr>
@@ -3952,7 +3952,7 @@
           <p:cNvPr descr="Story 15" id="6" name="slide6">
             <a:extLst>
               <a:ext uri="{FF2B5EF4-FFF2-40B4-BE49-F238E27FC236}">
-                <a16:creationId xmlns:a16="http://schemas.microsoft.com/office/drawing/2014/main" id="{8F249A34-0ED5-4581-91C6-1C01703D6804}"/>
+                <a16:creationId xmlns:a16="http://schemas.microsoft.com/office/drawing/2014/main" id="{764F51FE-8187-4260-B36A-4037BE19C112}"/>
               </a:ext>
             </a:extLst>
           </p:cNvPr>
@@ -4018,7 +4018,7 @@
           <p:cNvPr descr="Story 16" id="7" name="slide7">
             <a:extLst>
               <a:ext uri="{FF2B5EF4-FFF2-40B4-BE49-F238E27FC236}">
-                <a16:creationId xmlns:a16="http://schemas.microsoft.com/office/drawing/2014/main" id="{A418BD03-1EF5-4FD0-BB98-0C0C395B02D6}"/>
+                <a16:creationId xmlns:a16="http://schemas.microsoft.com/office/drawing/2014/main" id="{EEBDF913-4D81-4868-B6A6-1F9494F9C3A0}"/>
               </a:ext>
             </a:extLst>
           </p:cNvPr>
@@ -4084,7 +4084,7 @@
           <p:cNvPr descr="Story 17" id="8" name="slide8">
             <a:extLst>
               <a:ext uri="{FF2B5EF4-FFF2-40B4-BE49-F238E27FC236}">
-                <a16:creationId xmlns:a16="http://schemas.microsoft.com/office/drawing/2014/main" id="{D2495A75-2F51-4E27-ABE7-D0DB3D39F75E}"/>
+                <a16:creationId xmlns:a16="http://schemas.microsoft.com/office/drawing/2014/main" id="{845475AE-6451-4EE1-B9FE-4199B86DBC8D}"/>
               </a:ext>
             </a:extLst>
           </p:cNvPr>
@@ -4150,7 +4150,7 @@
           <p:cNvPr descr="Story 18" id="9" name="slide9">
             <a:extLst>
               <a:ext uri="{FF2B5EF4-FFF2-40B4-BE49-F238E27FC236}">
-                <a16:creationId xmlns:a16="http://schemas.microsoft.com/office/drawing/2014/main" id="{B1970087-D728-4705-9E9F-2A042E80485F}"/>
+                <a16:creationId xmlns:a16="http://schemas.microsoft.com/office/drawing/2014/main" id="{907CD94A-9D47-4628-BB66-2E341C9FF0DC}"/>
               </a:ext>
             </a:extLst>
           </p:cNvPr>
